--- a/서버관련/Yarn을_이용한_리엑트실행.pptx
+++ b/서버관련/Yarn을_이용한_리엑트실행.pptx
@@ -12,7 +12,7 @@
     <p:sldId id="257" r:id="rId3"/>
     <p:sldId id="262" r:id="rId4"/>
     <p:sldId id="264" r:id="rId5"/>
-    <p:sldId id="260" r:id="rId6"/>
+    <p:sldId id="265" r:id="rId6"/>
     <p:sldId id="258" r:id="rId7"/>
     <p:sldId id="263" r:id="rId8"/>
     <p:sldId id="261" r:id="rId9"/>
@@ -114,6 +114,11 @@
       </a:defRPr>
     </a:lvl9pPr>
   </p:defaultTextStyle>
+  <p:extLst>
+    <p:ext uri="{EFAFB233-063F-42B5-8137-9DF3F51BA10A}">
+      <p15:sldGuideLst xmlns:p15="http://schemas.microsoft.com/office/powerpoint/2012/main"/>
+    </p:ext>
+  </p:extLst>
 </p:presentation>
 </file>
 
@@ -199,7 +204,7 @@
           <a:p>
             <a:fld id="{0F77D806-9D2E-3F4C-8121-2A8132C1D3B3}" type="datetimeFigureOut">
               <a:rPr kumimoji="1" lang="ko-Kore-KR" altLang="en-US" smtClean="0"/>
-              <a:t>2024. 1. 7.</a:t>
+              <a:t>2024. 1. 10.</a:t>
             </a:fld>
             <a:endParaRPr kumimoji="1" lang="ko-Kore-KR" altLang="en-US"/>
           </a:p>
@@ -784,7 +789,7 @@
           <a:p>
             <a:fld id="{643CB271-46CE-D04A-B204-FEE69675261C}" type="datetimeFigureOut">
               <a:rPr kumimoji="1" lang="ko-Kore-KR" altLang="en-US" smtClean="0"/>
-              <a:t>2024. 1. 7.</a:t>
+              <a:t>2024. 1. 10.</a:t>
             </a:fld>
             <a:endParaRPr kumimoji="1" lang="ko-Kore-KR" altLang="en-US"/>
           </a:p>
@@ -984,7 +989,7 @@
           <a:p>
             <a:fld id="{643CB271-46CE-D04A-B204-FEE69675261C}" type="datetimeFigureOut">
               <a:rPr kumimoji="1" lang="ko-Kore-KR" altLang="en-US" smtClean="0"/>
-              <a:t>2024. 1. 7.</a:t>
+              <a:t>2024. 1. 10.</a:t>
             </a:fld>
             <a:endParaRPr kumimoji="1" lang="ko-Kore-KR" altLang="en-US"/>
           </a:p>
@@ -1194,7 +1199,7 @@
           <a:p>
             <a:fld id="{643CB271-46CE-D04A-B204-FEE69675261C}" type="datetimeFigureOut">
               <a:rPr kumimoji="1" lang="ko-Kore-KR" altLang="en-US" smtClean="0"/>
-              <a:t>2024. 1. 7.</a:t>
+              <a:t>2024. 1. 10.</a:t>
             </a:fld>
             <a:endParaRPr kumimoji="1" lang="ko-Kore-KR" altLang="en-US"/>
           </a:p>
@@ -1394,7 +1399,7 @@
           <a:p>
             <a:fld id="{643CB271-46CE-D04A-B204-FEE69675261C}" type="datetimeFigureOut">
               <a:rPr kumimoji="1" lang="ko-Kore-KR" altLang="en-US" smtClean="0"/>
-              <a:t>2024. 1. 7.</a:t>
+              <a:t>2024. 1. 10.</a:t>
             </a:fld>
             <a:endParaRPr kumimoji="1" lang="ko-Kore-KR" altLang="en-US"/>
           </a:p>
@@ -1670,7 +1675,7 @@
           <a:p>
             <a:fld id="{643CB271-46CE-D04A-B204-FEE69675261C}" type="datetimeFigureOut">
               <a:rPr kumimoji="1" lang="ko-Kore-KR" altLang="en-US" smtClean="0"/>
-              <a:t>2024. 1. 7.</a:t>
+              <a:t>2024. 1. 10.</a:t>
             </a:fld>
             <a:endParaRPr kumimoji="1" lang="ko-Kore-KR" altLang="en-US"/>
           </a:p>
@@ -1938,7 +1943,7 @@
           <a:p>
             <a:fld id="{643CB271-46CE-D04A-B204-FEE69675261C}" type="datetimeFigureOut">
               <a:rPr kumimoji="1" lang="ko-Kore-KR" altLang="en-US" smtClean="0"/>
-              <a:t>2024. 1. 7.</a:t>
+              <a:t>2024. 1. 10.</a:t>
             </a:fld>
             <a:endParaRPr kumimoji="1" lang="ko-Kore-KR" altLang="en-US"/>
           </a:p>
@@ -2353,7 +2358,7 @@
           <a:p>
             <a:fld id="{643CB271-46CE-D04A-B204-FEE69675261C}" type="datetimeFigureOut">
               <a:rPr kumimoji="1" lang="ko-Kore-KR" altLang="en-US" smtClean="0"/>
-              <a:t>2024. 1. 7.</a:t>
+              <a:t>2024. 1. 10.</a:t>
             </a:fld>
             <a:endParaRPr kumimoji="1" lang="ko-Kore-KR" altLang="en-US"/>
           </a:p>
@@ -2495,7 +2500,7 @@
           <a:p>
             <a:fld id="{643CB271-46CE-D04A-B204-FEE69675261C}" type="datetimeFigureOut">
               <a:rPr kumimoji="1" lang="ko-Kore-KR" altLang="en-US" smtClean="0"/>
-              <a:t>2024. 1. 7.</a:t>
+              <a:t>2024. 1. 10.</a:t>
             </a:fld>
             <a:endParaRPr kumimoji="1" lang="ko-Kore-KR" altLang="en-US"/>
           </a:p>
@@ -2608,7 +2613,7 @@
           <a:p>
             <a:fld id="{643CB271-46CE-D04A-B204-FEE69675261C}" type="datetimeFigureOut">
               <a:rPr kumimoji="1" lang="ko-Kore-KR" altLang="en-US" smtClean="0"/>
-              <a:t>2024. 1. 7.</a:t>
+              <a:t>2024. 1. 10.</a:t>
             </a:fld>
             <a:endParaRPr kumimoji="1" lang="ko-Kore-KR" altLang="en-US"/>
           </a:p>
@@ -2921,7 +2926,7 @@
           <a:p>
             <a:fld id="{643CB271-46CE-D04A-B204-FEE69675261C}" type="datetimeFigureOut">
               <a:rPr kumimoji="1" lang="ko-Kore-KR" altLang="en-US" smtClean="0"/>
-              <a:t>2024. 1. 7.</a:t>
+              <a:t>2024. 1. 10.</a:t>
             </a:fld>
             <a:endParaRPr kumimoji="1" lang="ko-Kore-KR" altLang="en-US"/>
           </a:p>
@@ -3210,7 +3215,7 @@
           <a:p>
             <a:fld id="{643CB271-46CE-D04A-B204-FEE69675261C}" type="datetimeFigureOut">
               <a:rPr kumimoji="1" lang="ko-Kore-KR" altLang="en-US" smtClean="0"/>
-              <a:t>2024. 1. 7.</a:t>
+              <a:t>2024. 1. 10.</a:t>
             </a:fld>
             <a:endParaRPr kumimoji="1" lang="ko-Kore-KR" altLang="en-US"/>
           </a:p>
@@ -3453,7 +3458,7 @@
           <a:p>
             <a:fld id="{643CB271-46CE-D04A-B204-FEE69675261C}" type="datetimeFigureOut">
               <a:rPr kumimoji="1" lang="ko-Kore-KR" altLang="en-US" smtClean="0"/>
-              <a:t>2024. 1. 7.</a:t>
+              <a:t>2024. 1. 10.</a:t>
             </a:fld>
             <a:endParaRPr kumimoji="1" lang="ko-Kore-KR" altLang="en-US"/>
           </a:p>
@@ -4007,10 +4012,20 @@
           <a:lstStyle/>
           <a:p>
             <a:r>
-              <a:rPr kumimoji="1" lang="ko-KR" altLang="en-US" b="1" dirty="0"/>
-              <a:t>명령어</a:t>
-            </a:r>
-            <a:endParaRPr kumimoji="1" lang="ko-Kore-KR" altLang="en-US" b="1" dirty="0"/>
+              <a:rPr kumimoji="1" lang="ko-KR" altLang="en-US" b="1" dirty="0">
+                <a:latin typeface="+mj-ea"/>
+              </a:rPr>
+              <a:t>명령어 </a:t>
+            </a:r>
+            <a:r>
+              <a:rPr kumimoji="1" lang="en-US" altLang="ko-KR" b="1" dirty="0">
+                <a:latin typeface="+mj-ea"/>
+              </a:rPr>
+              <a:t>1</a:t>
+            </a:r>
+            <a:endParaRPr kumimoji="1" lang="ko-Kore-KR" altLang="en-US" b="1" dirty="0">
+              <a:latin typeface="+mj-ea"/>
+            </a:endParaRPr>
           </a:p>
         </p:txBody>
       </p:sp>
@@ -4103,23 +4118,19 @@
             <a:pPr marL="0" indent="0">
               <a:buNone/>
             </a:pPr>
-            <a:endParaRPr kumimoji="1" lang="en-US" altLang="ko-Kore-KR" dirty="0"/>
+            <a:endParaRPr kumimoji="1" lang="en-US" altLang="ko-KR" dirty="0"/>
           </a:p>
           <a:p>
             <a:pPr marL="0" indent="0">
               <a:buNone/>
             </a:pPr>
-            <a:r>
-              <a:rPr kumimoji="1" lang="ko-KR" altLang="en-US" dirty="0"/>
-              <a:t> </a:t>
-            </a:r>
             <a:r>
               <a:rPr kumimoji="1" lang="en-US" altLang="ko-KR" dirty="0"/>
               <a:t>-</a:t>
             </a:r>
             <a:r>
               <a:rPr kumimoji="1" lang="ko-KR" altLang="en-US" dirty="0"/>
-              <a:t>  두번째</a:t>
+              <a:t> 두번째</a:t>
             </a:r>
             <a:endParaRPr kumimoji="1" lang="en-US" altLang="ko-KR" dirty="0"/>
           </a:p>
@@ -4128,7 +4139,7 @@
               <a:buNone/>
             </a:pPr>
             <a:r>
-              <a:rPr kumimoji="1" lang="en-US" altLang="ko-KR" b="1" dirty="0"/>
+              <a:rPr lang="en-US" altLang="ko-KR" b="1" dirty="0"/>
               <a:t>Yarn install</a:t>
             </a:r>
           </a:p>
@@ -4136,25 +4147,13 @@
             <a:pPr marL="0" indent="0">
               <a:buNone/>
             </a:pPr>
-            <a:r>
-              <a:rPr kumimoji="1" lang="en-US" altLang="ko-KR" dirty="0"/>
-              <a:t>Yarn </a:t>
-            </a:r>
-            <a:r>
-              <a:rPr kumimoji="1" lang="ko-KR" altLang="en-US" dirty="0"/>
-              <a:t>실행에 필요한 패키지를 </a:t>
-            </a:r>
-            <a:r>
-              <a:rPr kumimoji="1" lang="ko-KR" altLang="en-US" dirty="0" err="1"/>
-              <a:t>다운한다</a:t>
-            </a:r>
             <a:endParaRPr kumimoji="1" lang="en-US" altLang="ko-KR" dirty="0"/>
           </a:p>
           <a:p>
             <a:pPr marL="0" indent="0">
               <a:buNone/>
             </a:pPr>
-            <a:endParaRPr kumimoji="1" lang="en-US" altLang="ko-Kore-KR" dirty="0"/>
+            <a:endParaRPr kumimoji="1" lang="en-US" altLang="ko-KR" dirty="0"/>
           </a:p>
         </p:txBody>
       </p:sp>
@@ -4335,6 +4334,14 @@
           <a:prstGeom prst="roundRect">
             <a:avLst/>
           </a:prstGeom>
+          <a:solidFill>
+            <a:schemeClr val="accent6">
+              <a:lumMod val="50000"/>
+            </a:schemeClr>
+          </a:solidFill>
+          <a:ln>
+            <a:noFill/>
+          </a:ln>
         </p:spPr>
         <p:style>
           <a:lnRef idx="2">
@@ -4358,14 +4365,26 @@
           <a:p>
             <a:pPr algn="ctr"/>
             <a:r>
-              <a:rPr kumimoji="1" lang="en-US" altLang="ko-Kore-KR" dirty="0"/>
+              <a:rPr kumimoji="1" lang="en-US" altLang="ko-Kore-KR" dirty="0">
+                <a:solidFill>
+                  <a:schemeClr val="bg1"/>
+                </a:solidFill>
+              </a:rPr>
               <a:t>Node.js </a:t>
             </a:r>
             <a:r>
-              <a:rPr kumimoji="1" lang="ko-KR" altLang="en-US" dirty="0"/>
+              <a:rPr kumimoji="1" lang="ko-KR" altLang="en-US" dirty="0">
+                <a:solidFill>
+                  <a:schemeClr val="bg1"/>
+                </a:solidFill>
+              </a:rPr>
               <a:t>설치 </a:t>
             </a:r>
-            <a:endParaRPr kumimoji="1" lang="ko-Kore-KR" altLang="en-US" dirty="0"/>
+            <a:endParaRPr kumimoji="1" lang="ko-Kore-KR" altLang="en-US" dirty="0">
+              <a:solidFill>
+                <a:schemeClr val="bg1"/>
+              </a:solidFill>
+            </a:endParaRPr>
           </a:p>
         </p:txBody>
       </p:sp>
@@ -4389,6 +4408,14 @@
           <a:prstGeom prst="roundRect">
             <a:avLst/>
           </a:prstGeom>
+          <a:solidFill>
+            <a:schemeClr val="accent4">
+              <a:lumMod val="50000"/>
+            </a:schemeClr>
+          </a:solidFill>
+          <a:ln>
+            <a:noFill/>
+          </a:ln>
         </p:spPr>
         <p:style>
           <a:lnRef idx="2">
@@ -4451,6 +4478,12 @@
           <a:prstGeom prst="rightArrow">
             <a:avLst/>
           </a:prstGeom>
+          <a:solidFill>
+            <a:srgbClr val="FF0000"/>
+          </a:solidFill>
+          <a:ln>
+            <a:noFill/>
+          </a:ln>
         </p:spPr>
         <p:style>
           <a:lnRef idx="2">
@@ -4542,26 +4575,440 @@
       </p:sp>
       <p:sp>
         <p:nvSpPr>
-          <p:cNvPr id="8" name="내용 개체 틀 7">
-            <a:extLst>
-              <a:ext uri="{FF2B5EF4-FFF2-40B4-BE49-F238E27FC236}">
-                <a16:creationId xmlns:a16="http://schemas.microsoft.com/office/drawing/2014/main" id="{94E3724D-5B71-CA3B-B228-C867B498908A}"/>
-              </a:ext>
-            </a:extLst>
-          </p:cNvPr>
-          <p:cNvSpPr>
-            <a:spLocks noGrp="1"/>
-          </p:cNvSpPr>
-          <p:nvPr>
-            <p:ph idx="1"/>
-          </p:nvPr>
-        </p:nvSpPr>
-        <p:spPr/>
-        <p:txBody>
-          <a:bodyPr/>
-          <a:lstStyle/>
-          <a:p>
-            <a:endParaRPr lang="ko-Kore-KR" altLang="en-US"/>
+          <p:cNvPr id="3" name="모서리가 둥근 직사각형 2">
+            <a:extLst>
+              <a:ext uri="{FF2B5EF4-FFF2-40B4-BE49-F238E27FC236}">
+                <a16:creationId xmlns:a16="http://schemas.microsoft.com/office/drawing/2014/main" id="{3D65C097-A7D2-94A5-E501-608E0FD4CACD}"/>
+              </a:ext>
+            </a:extLst>
+          </p:cNvPr>
+          <p:cNvSpPr/>
+          <p:nvPr/>
+        </p:nvSpPr>
+        <p:spPr>
+          <a:xfrm>
+            <a:off x="589547" y="2198280"/>
+            <a:ext cx="10658350" cy="4294595"/>
+          </a:xfrm>
+          <a:prstGeom prst="roundRect">
+            <a:avLst/>
+          </a:prstGeom>
+          <a:solidFill>
+            <a:schemeClr val="accent6">
+              <a:lumMod val="50000"/>
+            </a:schemeClr>
+          </a:solidFill>
+          <a:ln>
+            <a:noFill/>
+          </a:ln>
+        </p:spPr>
+        <p:style>
+          <a:lnRef idx="2">
+            <a:schemeClr val="accent1">
+              <a:shade val="15000"/>
+            </a:schemeClr>
+          </a:lnRef>
+          <a:fillRef idx="1">
+            <a:schemeClr val="accent1"/>
+          </a:fillRef>
+          <a:effectRef idx="0">
+            <a:schemeClr val="accent1"/>
+          </a:effectRef>
+          <a:fontRef idx="minor">
+            <a:schemeClr val="lt1"/>
+          </a:fontRef>
+        </p:style>
+        <p:txBody>
+          <a:bodyPr rtlCol="0" anchor="ctr"/>
+          <a:lstStyle/>
+          <a:p>
+            <a:pPr marL="0" indent="0">
+              <a:lnSpc>
+                <a:spcPct val="200000"/>
+              </a:lnSpc>
+              <a:buNone/>
+            </a:pPr>
+            <a:endParaRPr lang="en" altLang="ko-KR" b="1" dirty="0">
+              <a:solidFill>
+                <a:schemeClr val="bg1"/>
+              </a:solidFill>
+            </a:endParaRPr>
+          </a:p>
+          <a:p>
+            <a:pPr marL="0" indent="0">
+              <a:lnSpc>
+                <a:spcPct val="200000"/>
+              </a:lnSpc>
+              <a:buNone/>
+            </a:pPr>
+            <a:r>
+              <a:rPr lang="en" altLang="ko-KR" b="1" dirty="0" err="1">
+                <a:solidFill>
+                  <a:srgbClr val="FFFF00"/>
+                </a:solidFill>
+              </a:rPr>
+              <a:t>Npm</a:t>
+            </a:r>
+            <a:r>
+              <a:rPr lang="en" altLang="ko-KR" b="1" dirty="0">
+                <a:solidFill>
+                  <a:srgbClr val="FFFF00"/>
+                </a:solidFill>
+              </a:rPr>
+              <a:t> install yarn </a:t>
+            </a:r>
+            <a:r>
+              <a:rPr lang="en" altLang="ko-KR" b="1" dirty="0">
+                <a:solidFill>
+                  <a:schemeClr val="bg1"/>
+                </a:solidFill>
+              </a:rPr>
+              <a:t>: Yarn </a:t>
+            </a:r>
+            <a:r>
+              <a:rPr lang="ko-KR" altLang="en-US" b="1" dirty="0">
+                <a:solidFill>
+                  <a:schemeClr val="bg1"/>
+                </a:solidFill>
+              </a:rPr>
+              <a:t>패키지는 반드시  </a:t>
+            </a:r>
+            <a:endParaRPr lang="en-US" altLang="ko-KR" b="1" dirty="0">
+              <a:solidFill>
+                <a:schemeClr val="bg1"/>
+              </a:solidFill>
+            </a:endParaRPr>
+          </a:p>
+          <a:p>
+            <a:pPr marL="0" indent="0">
+              <a:lnSpc>
+                <a:spcPct val="200000"/>
+              </a:lnSpc>
+              <a:buNone/>
+            </a:pPr>
+            <a:r>
+              <a:rPr lang="en-US" altLang="ko-KR" b="1" dirty="0" err="1">
+                <a:solidFill>
+                  <a:schemeClr val="bg1"/>
+                </a:solidFill>
+              </a:rPr>
+              <a:t>npm</a:t>
+            </a:r>
+            <a:r>
+              <a:rPr lang="en-US" altLang="ko-KR" b="1" dirty="0">
+                <a:solidFill>
+                  <a:schemeClr val="bg1"/>
+                </a:solidFill>
+              </a:rPr>
+              <a:t> </a:t>
+            </a:r>
+            <a:r>
+              <a:rPr lang="ko-KR" altLang="en-US" b="1" dirty="0">
+                <a:solidFill>
+                  <a:schemeClr val="bg1"/>
+                </a:solidFill>
+              </a:rPr>
+              <a:t>을 이용해 설치해야 한다</a:t>
+            </a:r>
+            <a:r>
+              <a:rPr lang="en-US" altLang="ko-KR" b="1" dirty="0">
+                <a:solidFill>
+                  <a:schemeClr val="bg1"/>
+                </a:solidFill>
+              </a:rPr>
+              <a:t>.</a:t>
+            </a:r>
+            <a:r>
+              <a:rPr lang="ko-KR" altLang="en-US" b="1" dirty="0">
+                <a:solidFill>
+                  <a:schemeClr val="bg1"/>
+                </a:solidFill>
+              </a:rPr>
+              <a:t> </a:t>
+            </a:r>
+            <a:r>
+              <a:rPr lang="en-US" altLang="ko-KR" b="1" dirty="0">
+                <a:solidFill>
+                  <a:schemeClr val="bg1"/>
+                </a:solidFill>
+              </a:rPr>
+              <a:t> </a:t>
+            </a:r>
+          </a:p>
+          <a:p>
+            <a:pPr marL="0" indent="0">
+              <a:lnSpc>
+                <a:spcPct val="200000"/>
+              </a:lnSpc>
+              <a:buNone/>
+            </a:pPr>
+            <a:endParaRPr lang="en-US" altLang="ko-KR" b="1" dirty="0">
+              <a:solidFill>
+                <a:schemeClr val="bg1"/>
+              </a:solidFill>
+            </a:endParaRPr>
+          </a:p>
+          <a:p>
+            <a:pPr>
+              <a:lnSpc>
+                <a:spcPct val="200000"/>
+              </a:lnSpc>
+            </a:pPr>
+            <a:r>
+              <a:rPr lang="en-US" altLang="ko-KR" b="1" dirty="0">
+                <a:solidFill>
+                  <a:srgbClr val="FFFF00"/>
+                </a:solidFill>
+              </a:rPr>
+              <a:t>-g</a:t>
+            </a:r>
+            <a:r>
+              <a:rPr lang="ko-KR" altLang="en-US" b="1" dirty="0">
+                <a:solidFill>
+                  <a:srgbClr val="FFFF00"/>
+                </a:solidFill>
+              </a:rPr>
+              <a:t> </a:t>
+            </a:r>
+            <a:r>
+              <a:rPr lang="en-US" altLang="ko-KR" b="1" dirty="0">
+                <a:solidFill>
+                  <a:schemeClr val="bg1"/>
+                </a:solidFill>
+              </a:rPr>
+              <a:t>:</a:t>
+            </a:r>
+            <a:r>
+              <a:rPr lang="ko-KR" altLang="en-US" b="1" dirty="0">
+                <a:solidFill>
+                  <a:schemeClr val="bg1"/>
+                </a:solidFill>
+              </a:rPr>
+              <a:t> </a:t>
+            </a:r>
+            <a:r>
+              <a:rPr lang="en-US" altLang="ko-KR" b="1" dirty="0">
+                <a:solidFill>
+                  <a:schemeClr val="bg1"/>
+                </a:solidFill>
+              </a:rPr>
+              <a:t>-g</a:t>
+            </a:r>
+            <a:r>
+              <a:rPr lang="ko-KR" altLang="en-US" b="1" dirty="0">
+                <a:solidFill>
+                  <a:schemeClr val="bg1"/>
+                </a:solidFill>
+              </a:rPr>
+              <a:t>는 </a:t>
+            </a:r>
+            <a:r>
+              <a:rPr lang="en-US" altLang="ko-KR" b="1" dirty="0">
+                <a:solidFill>
+                  <a:schemeClr val="bg1"/>
+                </a:solidFill>
+              </a:rPr>
+              <a:t>global</a:t>
+            </a:r>
+            <a:r>
+              <a:rPr lang="ko-KR" altLang="en-US" b="1" dirty="0">
+                <a:solidFill>
+                  <a:schemeClr val="bg1"/>
+                </a:solidFill>
+              </a:rPr>
+              <a:t>의 약자이며 </a:t>
+            </a:r>
+            <a:r>
+              <a:rPr lang="en-US" altLang="ko-KR" b="1" dirty="0">
+                <a:solidFill>
+                  <a:schemeClr val="bg1"/>
+                </a:solidFill>
+              </a:rPr>
+              <a:t> global</a:t>
+            </a:r>
+            <a:r>
+              <a:rPr lang="ko-KR" altLang="en-US" b="1" dirty="0">
+                <a:solidFill>
+                  <a:schemeClr val="bg1"/>
+                </a:solidFill>
+              </a:rPr>
+              <a:t>은 로컬 </a:t>
+            </a:r>
+            <a:r>
+              <a:rPr lang="ko-KR" altLang="en-US" b="0" i="0" dirty="0">
+                <a:solidFill>
+                  <a:schemeClr val="bg1"/>
+                </a:solidFill>
+                <a:effectLst/>
+                <a:latin typeface="Söhne"/>
+              </a:rPr>
+              <a:t>시스템 전체에서 해당 도구를 사용할 수 있도록 설치된다는 것을 의미한다</a:t>
+            </a:r>
+            <a:r>
+              <a:rPr lang="en-US" altLang="ko-KR" b="0" i="0" dirty="0">
+                <a:solidFill>
+                  <a:schemeClr val="bg1"/>
+                </a:solidFill>
+                <a:effectLst/>
+                <a:latin typeface="Söhne"/>
+              </a:rPr>
+              <a:t>.</a:t>
+            </a:r>
+            <a:r>
+              <a:rPr lang="ko-KR" altLang="en-US" b="0" i="0" dirty="0">
+                <a:solidFill>
+                  <a:schemeClr val="bg1"/>
+                </a:solidFill>
+                <a:effectLst/>
+                <a:latin typeface="Söhne"/>
+              </a:rPr>
+              <a:t> 즉 </a:t>
+            </a:r>
+            <a:r>
+              <a:rPr lang="en" altLang="ko-Kore-KR" sz="1800" b="1" dirty="0" err="1">
+                <a:solidFill>
+                  <a:schemeClr val="bg1"/>
+                </a:solidFill>
+              </a:rPr>
+              <a:t>npm</a:t>
+            </a:r>
+            <a:r>
+              <a:rPr lang="en" altLang="ko-Kore-KR" sz="1800" b="1" dirty="0">
+                <a:solidFill>
+                  <a:schemeClr val="bg1"/>
+                </a:solidFill>
+              </a:rPr>
+              <a:t> install -g yarn</a:t>
+            </a:r>
+            <a:r>
+              <a:rPr lang="ko-KR" altLang="en-US" sz="1800" b="1" dirty="0">
+                <a:solidFill>
+                  <a:schemeClr val="bg1"/>
+                </a:solidFill>
+              </a:rPr>
+              <a:t>을 입력하면 </a:t>
+            </a:r>
+            <a:r>
+              <a:rPr lang="ko-KR" altLang="en-US" b="0" i="0" dirty="0">
+                <a:solidFill>
+                  <a:schemeClr val="bg1"/>
+                </a:solidFill>
+                <a:effectLst/>
+                <a:latin typeface="Söhne"/>
+              </a:rPr>
+              <a:t>어떤 </a:t>
+            </a:r>
+            <a:r>
+              <a:rPr lang="ko-KR" altLang="en-US" b="0" i="0" dirty="0" err="1">
+                <a:solidFill>
+                  <a:schemeClr val="bg1"/>
+                </a:solidFill>
+                <a:effectLst/>
+                <a:latin typeface="Söhne"/>
+              </a:rPr>
+              <a:t>디렉토리에서든</a:t>
+            </a:r>
+            <a:r>
+              <a:rPr lang="ko-KR" altLang="en-US" b="0" i="0" dirty="0">
+                <a:solidFill>
+                  <a:schemeClr val="bg1"/>
+                </a:solidFill>
+                <a:effectLst/>
+                <a:latin typeface="Söhne"/>
+              </a:rPr>
+              <a:t> </a:t>
+            </a:r>
+            <a:r>
+              <a:rPr lang="en" altLang="ko-Kore-KR" b="0" i="0" dirty="0">
+                <a:solidFill>
+                  <a:schemeClr val="bg1"/>
+                </a:solidFill>
+                <a:effectLst/>
+                <a:latin typeface="Söhne"/>
+              </a:rPr>
+              <a:t>Yarn</a:t>
+            </a:r>
+            <a:r>
+              <a:rPr lang="ko-KR" altLang="en-US" b="0" i="0" dirty="0">
+                <a:solidFill>
+                  <a:schemeClr val="bg1"/>
+                </a:solidFill>
+                <a:effectLst/>
+                <a:latin typeface="Söhne"/>
+              </a:rPr>
+              <a:t>을 사용할 수 있게 된다</a:t>
+            </a:r>
+            <a:r>
+              <a:rPr lang="en-US" altLang="ko-KR" b="0" i="0" dirty="0">
+                <a:solidFill>
+                  <a:schemeClr val="bg1"/>
+                </a:solidFill>
+                <a:effectLst/>
+                <a:latin typeface="Söhne"/>
+              </a:rPr>
+              <a:t>.</a:t>
+            </a:r>
+            <a:endParaRPr lang="en" altLang="ko-Kore-KR" sz="1800" b="1" dirty="0">
+              <a:solidFill>
+                <a:schemeClr val="bg1"/>
+              </a:solidFill>
+            </a:endParaRPr>
+          </a:p>
+        </p:txBody>
+      </p:sp>
+      <p:sp>
+        <p:nvSpPr>
+          <p:cNvPr id="6" name="TextBox 5">
+            <a:extLst>
+              <a:ext uri="{FF2B5EF4-FFF2-40B4-BE49-F238E27FC236}">
+                <a16:creationId xmlns:a16="http://schemas.microsoft.com/office/drawing/2014/main" id="{D94CD291-9CF9-9B74-4E14-0880367CDCA9}"/>
+              </a:ext>
+            </a:extLst>
+          </p:cNvPr>
+          <p:cNvSpPr txBox="1"/>
+          <p:nvPr/>
+        </p:nvSpPr>
+        <p:spPr>
+          <a:xfrm>
+            <a:off x="944103" y="1475295"/>
+            <a:ext cx="3439531" cy="1107996"/>
+          </a:xfrm>
+          <a:prstGeom prst="rect">
+            <a:avLst/>
+          </a:prstGeom>
+          <a:noFill/>
+        </p:spPr>
+        <p:txBody>
+          <a:bodyPr wrap="none" rtlCol="0">
+            <a:spAutoFit/>
+          </a:bodyPr>
+          <a:lstStyle/>
+          <a:p>
+            <a:r>
+              <a:rPr lang="en" altLang="ko-Kore-KR" sz="3300" b="1" dirty="0" err="1">
+                <a:solidFill>
+                  <a:schemeClr val="tx1">
+                    <a:lumMod val="50000"/>
+                    <a:lumOff val="50000"/>
+                  </a:schemeClr>
+                </a:solidFill>
+              </a:rPr>
+              <a:t>npm</a:t>
+            </a:r>
+            <a:r>
+              <a:rPr lang="en" altLang="ko-Kore-KR" sz="3300" b="1" dirty="0">
+                <a:solidFill>
+                  <a:schemeClr val="tx1">
+                    <a:lumMod val="50000"/>
+                    <a:lumOff val="50000"/>
+                  </a:schemeClr>
+                </a:solidFill>
+              </a:rPr>
+              <a:t> install -g yarn</a:t>
+            </a:r>
+          </a:p>
+          <a:p>
+            <a:endParaRPr kumimoji="1" lang="ko-Kore-KR" altLang="en-US" sz="3300" dirty="0"/>
           </a:p>
         </p:txBody>
       </p:sp>
@@ -4630,33 +5077,230 @@
       </p:sp>
       <p:sp>
         <p:nvSpPr>
-          <p:cNvPr id="6" name="내용 개체 틀 5">
-            <a:extLst>
-              <a:ext uri="{FF2B5EF4-FFF2-40B4-BE49-F238E27FC236}">
-                <a16:creationId xmlns:a16="http://schemas.microsoft.com/office/drawing/2014/main" id="{1C414FCA-520F-775C-B9EE-ABD2FC48527D}"/>
-              </a:ext>
-            </a:extLst>
-          </p:cNvPr>
-          <p:cNvSpPr>
-            <a:spLocks noGrp="1"/>
-          </p:cNvSpPr>
-          <p:nvPr>
-            <p:ph idx="1"/>
-          </p:nvPr>
-        </p:nvSpPr>
-        <p:spPr/>
-        <p:txBody>
-          <a:bodyPr/>
-          <a:lstStyle/>
-          <a:p>
-            <a:endParaRPr lang="ko-Kore-KR" altLang="en-US"/>
+          <p:cNvPr id="3" name="모서리가 둥근 직사각형 2">
+            <a:extLst>
+              <a:ext uri="{FF2B5EF4-FFF2-40B4-BE49-F238E27FC236}">
+                <a16:creationId xmlns:a16="http://schemas.microsoft.com/office/drawing/2014/main" id="{3D65C097-A7D2-94A5-E501-608E0FD4CACD}"/>
+              </a:ext>
+            </a:extLst>
+          </p:cNvPr>
+          <p:cNvSpPr/>
+          <p:nvPr/>
+        </p:nvSpPr>
+        <p:spPr>
+          <a:xfrm>
+            <a:off x="589547" y="2198280"/>
+            <a:ext cx="10658350" cy="4294595"/>
+          </a:xfrm>
+          <a:prstGeom prst="roundRect">
+            <a:avLst/>
+          </a:prstGeom>
+          <a:solidFill>
+            <a:schemeClr val="accent6">
+              <a:lumMod val="50000"/>
+            </a:schemeClr>
+          </a:solidFill>
+          <a:ln>
+            <a:noFill/>
+          </a:ln>
+        </p:spPr>
+        <p:style>
+          <a:lnRef idx="2">
+            <a:schemeClr val="accent1">
+              <a:shade val="15000"/>
+            </a:schemeClr>
+          </a:lnRef>
+          <a:fillRef idx="1">
+            <a:schemeClr val="accent1"/>
+          </a:fillRef>
+          <a:effectRef idx="0">
+            <a:schemeClr val="accent1"/>
+          </a:effectRef>
+          <a:fontRef idx="minor">
+            <a:schemeClr val="lt1"/>
+          </a:fontRef>
+        </p:style>
+        <p:txBody>
+          <a:bodyPr rtlCol="0" anchor="ctr"/>
+          <a:lstStyle/>
+          <a:p>
+            <a:pPr marL="0" indent="0">
+              <a:lnSpc>
+                <a:spcPct val="200000"/>
+              </a:lnSpc>
+              <a:buNone/>
+            </a:pPr>
+            <a:r>
+              <a:rPr lang="ko-KR" altLang="en-US" b="1" i="0" dirty="0">
+                <a:solidFill>
+                  <a:srgbClr val="FFFFFF"/>
+                </a:solidFill>
+                <a:effectLst/>
+                <a:latin typeface="Söhne Mono"/>
+              </a:rPr>
+              <a:t>현재 작업중인 프로젝트의 </a:t>
+            </a:r>
+            <a:r>
+              <a:rPr lang="en" altLang="ko-Kore-KR" b="1" i="0" dirty="0" err="1">
+                <a:solidFill>
+                  <a:srgbClr val="FFFFFF"/>
+                </a:solidFill>
+                <a:effectLst/>
+                <a:latin typeface="Söhne Mono"/>
+              </a:rPr>
+              <a:t>package.json</a:t>
+            </a:r>
+            <a:r>
+              <a:rPr lang="ko-KR" altLang="en-US" b="1" dirty="0">
+                <a:solidFill>
+                  <a:schemeClr val="bg1"/>
+                </a:solidFill>
+                <a:latin typeface="Söhne Mono"/>
+              </a:rPr>
+              <a:t>에 있는 모든 의존성을 설치할 때 필요한 명령어이다 </a:t>
+            </a:r>
+            <a:r>
+              <a:rPr lang="en-US" altLang="ko-KR" b="1" dirty="0">
+                <a:solidFill>
+                  <a:schemeClr val="bg1"/>
+                </a:solidFill>
+                <a:latin typeface="Söhne Mono"/>
+              </a:rPr>
+              <a:t>.</a:t>
+            </a:r>
+            <a:r>
+              <a:rPr lang="ko-KR" altLang="en-US" b="1" dirty="0">
+                <a:solidFill>
+                  <a:schemeClr val="bg1"/>
+                </a:solidFill>
+                <a:latin typeface="Söhne Mono"/>
+              </a:rPr>
+              <a:t> </a:t>
+            </a:r>
+            <a:r>
+              <a:rPr lang="en" altLang="ko-Kore-KR" b="1" i="0" dirty="0" err="1">
+                <a:solidFill>
+                  <a:srgbClr val="FFFFFF"/>
+                </a:solidFill>
+                <a:effectLst/>
+                <a:latin typeface="Söhne Mono"/>
+              </a:rPr>
+              <a:t>package.json</a:t>
+            </a:r>
+            <a:r>
+              <a:rPr lang="ko-KR" altLang="en-US" b="1" i="0" dirty="0">
+                <a:solidFill>
+                  <a:srgbClr val="FFFFFF"/>
+                </a:solidFill>
+                <a:effectLst/>
+                <a:latin typeface="Söhne Mono"/>
+              </a:rPr>
+              <a:t>에 있는 모든 의존성을 설치하지 않으면 프로그램이 </a:t>
+            </a:r>
+            <a:r>
+              <a:rPr lang="en-US" altLang="ko-KR" b="1" i="0" dirty="0">
+                <a:solidFill>
+                  <a:srgbClr val="FFFFFF"/>
+                </a:solidFill>
+                <a:effectLst/>
+                <a:latin typeface="Söhne Mono"/>
+              </a:rPr>
+              <a:t>run </a:t>
+            </a:r>
+            <a:r>
+              <a:rPr lang="ko-KR" altLang="en-US" b="1" i="0" dirty="0">
+                <a:solidFill>
+                  <a:srgbClr val="FFFFFF"/>
+                </a:solidFill>
+                <a:effectLst/>
+                <a:latin typeface="Söhne Mono"/>
+              </a:rPr>
+              <a:t>되지 않는다</a:t>
+            </a:r>
+            <a:r>
+              <a:rPr lang="en-US" altLang="ko-KR" b="1" i="0" dirty="0">
+                <a:solidFill>
+                  <a:srgbClr val="FFFFFF"/>
+                </a:solidFill>
+                <a:effectLst/>
+                <a:latin typeface="Söhne Mono"/>
+              </a:rPr>
+              <a:t>.</a:t>
+            </a:r>
+            <a:r>
+              <a:rPr lang="ko-KR" altLang="en-US" b="1" dirty="0">
+                <a:solidFill>
+                  <a:schemeClr val="bg1"/>
+                </a:solidFill>
+                <a:latin typeface="Söhne Mono"/>
+              </a:rPr>
+              <a:t> </a:t>
+            </a:r>
+            <a:endParaRPr lang="en-US" altLang="ko-KR" b="1" dirty="0">
+              <a:solidFill>
+                <a:schemeClr val="bg1"/>
+              </a:solidFill>
+            </a:endParaRPr>
+          </a:p>
+        </p:txBody>
+      </p:sp>
+      <p:sp>
+        <p:nvSpPr>
+          <p:cNvPr id="6" name="TextBox 5">
+            <a:extLst>
+              <a:ext uri="{FF2B5EF4-FFF2-40B4-BE49-F238E27FC236}">
+                <a16:creationId xmlns:a16="http://schemas.microsoft.com/office/drawing/2014/main" id="{D94CD291-9CF9-9B74-4E14-0880367CDCA9}"/>
+              </a:ext>
+            </a:extLst>
+          </p:cNvPr>
+          <p:cNvSpPr txBox="1"/>
+          <p:nvPr/>
+        </p:nvSpPr>
+        <p:spPr>
+          <a:xfrm>
+            <a:off x="944103" y="1475295"/>
+            <a:ext cx="2209964" cy="1107996"/>
+          </a:xfrm>
+          <a:prstGeom prst="rect">
+            <a:avLst/>
+          </a:prstGeom>
+          <a:noFill/>
+        </p:spPr>
+        <p:txBody>
+          <a:bodyPr wrap="none" rtlCol="0">
+            <a:spAutoFit/>
+          </a:bodyPr>
+          <a:lstStyle/>
+          <a:p>
+            <a:r>
+              <a:rPr lang="en-US" altLang="ko-Kore-KR" sz="3300" b="1" dirty="0">
+                <a:solidFill>
+                  <a:schemeClr val="tx1">
+                    <a:lumMod val="50000"/>
+                    <a:lumOff val="50000"/>
+                  </a:schemeClr>
+                </a:solidFill>
+              </a:rPr>
+              <a:t>Yarn install </a:t>
+            </a:r>
+            <a:endParaRPr lang="en" altLang="ko-Kore-KR" sz="3300" b="1" dirty="0">
+              <a:solidFill>
+                <a:schemeClr val="tx1">
+                  <a:lumMod val="50000"/>
+                  <a:lumOff val="50000"/>
+                </a:schemeClr>
+              </a:solidFill>
+            </a:endParaRPr>
+          </a:p>
+          <a:p>
+            <a:endParaRPr kumimoji="1" lang="ko-Kore-KR" altLang="en-US" sz="3300" dirty="0"/>
           </a:p>
         </p:txBody>
       </p:sp>
     </p:spTree>
     <p:extLst>
       <p:ext uri="{BB962C8B-B14F-4D97-AF65-F5344CB8AC3E}">
-        <p14:creationId xmlns:p14="http://schemas.microsoft.com/office/powerpoint/2010/main" val="2894649611"/>
+        <p14:creationId xmlns:p14="http://schemas.microsoft.com/office/powerpoint/2010/main" val="725530021"/>
       </p:ext>
     </p:extLst>
   </p:cSld>
